--- a/Josh Slides.pptx
+++ b/Josh Slides.pptx
@@ -5,7 +5,7 @@
     <p:sldMasterId id="2147483648" r:id="rId1"/>
   </p:sldMasterIdLst>
   <p:notesMasterIdLst>
-    <p:notesMasterId r:id="rId8"/>
+    <p:notesMasterId r:id="rId11"/>
   </p:notesMasterIdLst>
   <p:sldIdLst>
     <p:sldId id="256" r:id="rId2"/>
@@ -14,6 +14,9 @@
     <p:sldId id="259" r:id="rId5"/>
     <p:sldId id="260" r:id="rId6"/>
     <p:sldId id="261" r:id="rId7"/>
+    <p:sldId id="262" r:id="rId8"/>
+    <p:sldId id="263" r:id="rId9"/>
+    <p:sldId id="264" r:id="rId10"/>
   </p:sldIdLst>
   <p:sldSz cx="12192000" cy="6858000"/>
   <p:notesSz cx="6858000" cy="9144000"/>
@@ -112,6 +115,11 @@
       </a:defRPr>
     </a:lvl9pPr>
   </p:defaultTextStyle>
+  <p:extLst>
+    <p:ext uri="{EFAFB233-063F-42B5-8137-9DF3F51BA10A}">
+      <p15:sldGuideLst xmlns:p15="http://schemas.microsoft.com/office/powerpoint/2012/main"/>
+    </p:ext>
+  </p:extLst>
 </p:presentation>
 </file>
 
@@ -540,6 +548,90 @@
     <p:extLst>
       <p:ext uri="{BB962C8B-B14F-4D97-AF65-F5344CB8AC3E}">
         <p14:creationId xmlns:p14="http://schemas.microsoft.com/office/powerpoint/2010/main" val="1460674641"/>
+      </p:ext>
+    </p:extLst>
+  </p:cSld>
+  <p:clrMapOvr>
+    <a:masterClrMapping/>
+  </p:clrMapOvr>
+</p:notes>
+</file>
+
+<file path=ppt/notesSlides/notesSlide2.xml><?xml version="1.0" encoding="utf-8"?>
+<p:notes xmlns:a="http://schemas.openxmlformats.org/drawingml/2006/main" xmlns:r="http://schemas.openxmlformats.org/officeDocument/2006/relationships" xmlns:p="http://schemas.openxmlformats.org/presentationml/2006/main">
+  <p:cSld>
+    <p:spTree>
+      <p:nvGrpSpPr>
+        <p:cNvPr id="1" name=""/>
+        <p:cNvGrpSpPr/>
+        <p:nvPr/>
+      </p:nvGrpSpPr>
+      <p:grpSpPr>
+        <a:xfrm>
+          <a:off x="0" y="0"/>
+          <a:ext cx="0" cy="0"/>
+          <a:chOff x="0" y="0"/>
+          <a:chExt cx="0" cy="0"/>
+        </a:xfrm>
+      </p:grpSpPr>
+      <p:sp>
+        <p:nvSpPr>
+          <p:cNvPr id="2" name="Slide Image Placeholder 1"/>
+          <p:cNvSpPr>
+            <a:spLocks noGrp="1" noRot="1" noChangeAspect="1"/>
+          </p:cNvSpPr>
+          <p:nvPr>
+            <p:ph type="sldImg"/>
+          </p:nvPr>
+        </p:nvSpPr>
+        <p:spPr/>
+      </p:sp>
+      <p:sp>
+        <p:nvSpPr>
+          <p:cNvPr id="3" name="Notes Placeholder 2"/>
+          <p:cNvSpPr>
+            <a:spLocks noGrp="1"/>
+          </p:cNvSpPr>
+          <p:nvPr>
+            <p:ph type="body" idx="1"/>
+          </p:nvPr>
+        </p:nvSpPr>
+        <p:spPr/>
+        <p:txBody>
+          <a:bodyPr/>
+          <a:lstStyle/>
+          <a:p>
+            <a:endParaRPr lang="en-US" dirty="0"/>
+          </a:p>
+        </p:txBody>
+      </p:sp>
+      <p:sp>
+        <p:nvSpPr>
+          <p:cNvPr id="4" name="Slide Number Placeholder 3"/>
+          <p:cNvSpPr>
+            <a:spLocks noGrp="1"/>
+          </p:cNvSpPr>
+          <p:nvPr>
+            <p:ph type="sldNum" sz="quarter" idx="10"/>
+          </p:nvPr>
+        </p:nvSpPr>
+        <p:spPr/>
+        <p:txBody>
+          <a:bodyPr/>
+          <a:lstStyle/>
+          <a:p>
+            <a:fld id="{54F66277-1231-2A45-B961-C920BC9B8042}" type="slidenum">
+              <a:rPr lang="en-US" smtClean="0"/>
+              <a:t>7</a:t>
+            </a:fld>
+            <a:endParaRPr lang="en-US"/>
+          </a:p>
+        </p:txBody>
+      </p:sp>
+    </p:spTree>
+    <p:extLst>
+      <p:ext uri="{BB962C8B-B14F-4D97-AF65-F5344CB8AC3E}">
+        <p14:creationId xmlns:p14="http://schemas.microsoft.com/office/powerpoint/2010/main" val="1433922249"/>
       </p:ext>
     </p:extLst>
   </p:cSld>
@@ -6410,7 +6502,6 @@
               <a:rPr lang="en-US" dirty="0" smtClean="0"/>
               <a:t>Green cluster: candidates primarily supported by nonprofits and the financial industry.</a:t>
             </a:r>
-            <a:endParaRPr lang="en-US" dirty="0" smtClean="0"/>
           </a:p>
         </p:txBody>
       </p:sp>
@@ -6424,6 +6515,312 @@
   <p:clrMapOvr>
     <a:masterClrMapping/>
   </p:clrMapOvr>
+</p:sld>
+</file>
+
+<file path=ppt/slides/slide7.xml><?xml version="1.0" encoding="utf-8"?>
+<p:sld xmlns:a="http://schemas.openxmlformats.org/drawingml/2006/main" xmlns:r="http://schemas.openxmlformats.org/officeDocument/2006/relationships" xmlns:p="http://schemas.openxmlformats.org/presentationml/2006/main">
+  <p:cSld>
+    <p:spTree>
+      <p:nvGrpSpPr>
+        <p:cNvPr id="1" name=""/>
+        <p:cNvGrpSpPr/>
+        <p:nvPr/>
+      </p:nvGrpSpPr>
+      <p:grpSpPr>
+        <a:xfrm>
+          <a:off x="0" y="0"/>
+          <a:ext cx="0" cy="0"/>
+          <a:chOff x="0" y="0"/>
+          <a:chExt cx="0" cy="0"/>
+        </a:xfrm>
+      </p:grpSpPr>
+      <p:sp>
+        <p:nvSpPr>
+          <p:cNvPr id="2" name="Title 1"/>
+          <p:cNvSpPr>
+            <a:spLocks noGrp="1"/>
+          </p:cNvSpPr>
+          <p:nvPr>
+            <p:ph type="title"/>
+          </p:nvPr>
+        </p:nvSpPr>
+        <p:spPr>
+          <a:xfrm>
+            <a:off x="838200" y="2242801"/>
+            <a:ext cx="10515600" cy="1325563"/>
+          </a:xfrm>
+        </p:spPr>
+        <p:txBody>
+          <a:bodyPr>
+            <a:normAutofit/>
+          </a:bodyPr>
+          <a:lstStyle/>
+          <a:p>
+            <a:pPr algn="ctr"/>
+            <a:r>
+              <a:rPr lang="en-US" sz="6000" dirty="0" smtClean="0"/>
+              <a:t>Conclusion</a:t>
+            </a:r>
+            <a:endParaRPr lang="en-US" sz="6000" dirty="0"/>
+          </a:p>
+        </p:txBody>
+      </p:sp>
+      <p:sp>
+        <p:nvSpPr>
+          <p:cNvPr id="3" name="Content Placeholder 2"/>
+          <p:cNvSpPr>
+            <a:spLocks noGrp="1"/>
+          </p:cNvSpPr>
+          <p:nvPr>
+            <p:ph idx="1"/>
+          </p:nvPr>
+        </p:nvSpPr>
+        <p:spPr>
+          <a:xfrm>
+            <a:off x="838200" y="3568364"/>
+            <a:ext cx="10515600" cy="2875467"/>
+          </a:xfrm>
+        </p:spPr>
+        <p:txBody>
+          <a:bodyPr>
+            <a:normAutofit/>
+          </a:bodyPr>
+          <a:lstStyle/>
+          <a:p>
+            <a:pPr marL="0" indent="0" algn="ctr">
+              <a:buNone/>
+            </a:pPr>
+            <a:r>
+              <a:rPr lang="en-US" sz="2400" dirty="0" smtClean="0"/>
+              <a:t>What has been the key things we have been able to conclude?</a:t>
+            </a:r>
+            <a:endParaRPr lang="en-US" sz="2400" dirty="0"/>
+          </a:p>
+        </p:txBody>
+      </p:sp>
+    </p:spTree>
+    <p:extLst>
+      <p:ext uri="{BB962C8B-B14F-4D97-AF65-F5344CB8AC3E}">
+        <p14:creationId xmlns:p14="http://schemas.microsoft.com/office/powerpoint/2010/main" val="222417694"/>
+      </p:ext>
+    </p:extLst>
+  </p:cSld>
+  <p:clrMapOvr>
+    <a:masterClrMapping/>
+  </p:clrMapOvr>
+</p:sld>
+</file>
+
+<file path=ppt/slides/slide8.xml><?xml version="1.0" encoding="utf-8"?>
+<p:sld xmlns:a="http://schemas.openxmlformats.org/drawingml/2006/main" xmlns:r="http://schemas.openxmlformats.org/officeDocument/2006/relationships" xmlns:p="http://schemas.openxmlformats.org/presentationml/2006/main">
+  <p:cSld>
+    <p:spTree>
+      <p:nvGrpSpPr>
+        <p:cNvPr id="1" name=""/>
+        <p:cNvGrpSpPr/>
+        <p:nvPr/>
+      </p:nvGrpSpPr>
+      <p:grpSpPr>
+        <a:xfrm>
+          <a:off x="0" y="0"/>
+          <a:ext cx="0" cy="0"/>
+          <a:chOff x="0" y="0"/>
+          <a:chExt cx="0" cy="0"/>
+        </a:xfrm>
+      </p:grpSpPr>
+      <p:sp>
+        <p:nvSpPr>
+          <p:cNvPr id="2" name="Title 1"/>
+          <p:cNvSpPr>
+            <a:spLocks noGrp="1"/>
+          </p:cNvSpPr>
+          <p:nvPr>
+            <p:ph type="title"/>
+          </p:nvPr>
+        </p:nvSpPr>
+        <p:spPr/>
+        <p:txBody>
+          <a:bodyPr/>
+          <a:lstStyle/>
+          <a:p>
+            <a:r>
+              <a:rPr lang="en-US" dirty="0" smtClean="0"/>
+              <a:t>The evolution of our question</a:t>
+            </a:r>
+            <a:endParaRPr lang="en-US" dirty="0"/>
+          </a:p>
+        </p:txBody>
+      </p:sp>
+      <p:sp>
+        <p:nvSpPr>
+          <p:cNvPr id="3" name="Content Placeholder 2"/>
+          <p:cNvSpPr>
+            <a:spLocks noGrp="1"/>
+          </p:cNvSpPr>
+          <p:nvPr>
+            <p:ph idx="1"/>
+          </p:nvPr>
+        </p:nvSpPr>
+        <p:spPr/>
+        <p:txBody>
+          <a:bodyPr/>
+          <a:lstStyle/>
+          <a:p>
+            <a:pPr lvl="1"/>
+            <a:r>
+              <a:rPr lang="en-US" dirty="0" smtClean="0"/>
+              <a:t>At First</a:t>
+            </a:r>
+          </a:p>
+          <a:p>
+            <a:pPr lvl="2"/>
+            <a:r>
+              <a:rPr lang="en-US" dirty="0"/>
+              <a:t>We wanted to see if political contributions by industries to specific candidates had any bearing on election results </a:t>
+            </a:r>
+          </a:p>
+          <a:p>
+            <a:pPr lvl="2"/>
+            <a:r>
+              <a:rPr lang="en-US" dirty="0"/>
+              <a:t>We also wanted to see if the election results had any specific impact on the market as a whole. </a:t>
+            </a:r>
+          </a:p>
+          <a:p>
+            <a:pPr lvl="1"/>
+            <a:endParaRPr lang="en-US" dirty="0"/>
+          </a:p>
+          <a:p>
+            <a:pPr lvl="1"/>
+            <a:r>
+              <a:rPr lang="en-US" dirty="0" smtClean="0"/>
+              <a:t>After Part 2</a:t>
+            </a:r>
+          </a:p>
+          <a:p>
+            <a:pPr lvl="2"/>
+            <a:r>
+              <a:rPr lang="en-US" dirty="0" smtClean="0"/>
+              <a:t>The idea morphed into looking at total campaign contributions and other aspects that led to candidates winning</a:t>
+            </a:r>
+          </a:p>
+        </p:txBody>
+      </p:sp>
+    </p:spTree>
+    <p:extLst>
+      <p:ext uri="{BB962C8B-B14F-4D97-AF65-F5344CB8AC3E}">
+        <p14:creationId xmlns:p14="http://schemas.microsoft.com/office/powerpoint/2010/main" val="1579589077"/>
+      </p:ext>
+    </p:extLst>
+  </p:cSld>
+  <p:clrMapOvr>
+    <a:masterClrMapping/>
+  </p:clrMapOvr>
+  <p:timing>
+    <p:tnLst>
+      <p:par>
+        <p:cTn id="1" dur="indefinite" restart="never" nodeType="tmRoot"/>
+      </p:par>
+    </p:tnLst>
+  </p:timing>
+</p:sld>
+</file>
+
+<file path=ppt/slides/slide9.xml><?xml version="1.0" encoding="utf-8"?>
+<p:sld xmlns:a="http://schemas.openxmlformats.org/drawingml/2006/main" xmlns:r="http://schemas.openxmlformats.org/officeDocument/2006/relationships" xmlns:p="http://schemas.openxmlformats.org/presentationml/2006/main">
+  <p:cSld>
+    <p:spTree>
+      <p:nvGrpSpPr>
+        <p:cNvPr id="1" name=""/>
+        <p:cNvGrpSpPr/>
+        <p:nvPr/>
+      </p:nvGrpSpPr>
+      <p:grpSpPr>
+        <a:xfrm>
+          <a:off x="0" y="0"/>
+          <a:ext cx="0" cy="0"/>
+          <a:chOff x="0" y="0"/>
+          <a:chExt cx="0" cy="0"/>
+        </a:xfrm>
+      </p:grpSpPr>
+      <p:sp>
+        <p:nvSpPr>
+          <p:cNvPr id="2" name="Title 1"/>
+          <p:cNvSpPr>
+            <a:spLocks noGrp="1"/>
+          </p:cNvSpPr>
+          <p:nvPr>
+            <p:ph type="title"/>
+          </p:nvPr>
+        </p:nvSpPr>
+        <p:spPr/>
+        <p:txBody>
+          <a:bodyPr/>
+          <a:lstStyle/>
+          <a:p>
+            <a:r>
+              <a:rPr lang="en-US" dirty="0" smtClean="0"/>
+              <a:t>Some takeaways</a:t>
+            </a:r>
+            <a:endParaRPr lang="en-US" dirty="0"/>
+          </a:p>
+        </p:txBody>
+      </p:sp>
+      <p:sp>
+        <p:nvSpPr>
+          <p:cNvPr id="3" name="Content Placeholder 2"/>
+          <p:cNvSpPr>
+            <a:spLocks noGrp="1"/>
+          </p:cNvSpPr>
+          <p:nvPr>
+            <p:ph idx="1"/>
+          </p:nvPr>
+        </p:nvSpPr>
+        <p:spPr/>
+        <p:txBody>
+          <a:bodyPr/>
+          <a:lstStyle/>
+          <a:p>
+            <a:r>
+              <a:rPr lang="en-US" dirty="0" smtClean="0"/>
+              <a:t>Many of our conclusions supported already expected conclusions, but no major breakthroughs that we we were hopping for</a:t>
+            </a:r>
+          </a:p>
+          <a:p>
+            <a:r>
+              <a:rPr lang="en-US" dirty="0" smtClean="0"/>
+              <a:t>Stocks aren’t significantly affected by election results</a:t>
+            </a:r>
+          </a:p>
+          <a:p>
+            <a:r>
+              <a:rPr lang="en-US"/>
+              <a:t>If you’re running for congress, make sure to be an incumbent</a:t>
+            </a:r>
+          </a:p>
+          <a:p>
+            <a:endParaRPr lang="en-US" dirty="0"/>
+          </a:p>
+        </p:txBody>
+      </p:sp>
+    </p:spTree>
+    <p:extLst>
+      <p:ext uri="{BB962C8B-B14F-4D97-AF65-F5344CB8AC3E}">
+        <p14:creationId xmlns:p14="http://schemas.microsoft.com/office/powerpoint/2010/main" val="895814102"/>
+      </p:ext>
+    </p:extLst>
+  </p:cSld>
+  <p:clrMapOvr>
+    <a:masterClrMapping/>
+  </p:clrMapOvr>
+  <p:timing>
+    <p:tnLst>
+      <p:par>
+        <p:cTn id="1" dur="indefinite" restart="never" nodeType="tmRoot"/>
+      </p:par>
+    </p:tnLst>
+  </p:timing>
 </p:sld>
 </file>
 

--- a/Josh Slides.pptx
+++ b/Josh Slides.pptx
@@ -5,7 +5,7 @@
     <p:sldMasterId id="2147483648" r:id="rId1"/>
   </p:sldMasterIdLst>
   <p:notesMasterIdLst>
-    <p:notesMasterId r:id="rId11"/>
+    <p:notesMasterId r:id="rId8"/>
   </p:notesMasterIdLst>
   <p:sldIdLst>
     <p:sldId id="256" r:id="rId2"/>
@@ -14,9 +14,6 @@
     <p:sldId id="259" r:id="rId5"/>
     <p:sldId id="260" r:id="rId6"/>
     <p:sldId id="261" r:id="rId7"/>
-    <p:sldId id="262" r:id="rId8"/>
-    <p:sldId id="263" r:id="rId9"/>
-    <p:sldId id="264" r:id="rId10"/>
   </p:sldIdLst>
   <p:sldSz cx="12192000" cy="6858000"/>
   <p:notesSz cx="6858000" cy="9144000"/>
@@ -205,7 +202,7 @@
           <a:p>
             <a:fld id="{21EC824C-E48E-FA4D-A901-5E581957051E}" type="datetimeFigureOut">
               <a:rPr lang="en-US" smtClean="0"/>
-              <a:t>12/8/15</a:t>
+              <a:t>12/9/15</a:t>
             </a:fld>
             <a:endParaRPr lang="en-US"/>
           </a:p>
@@ -557,90 +554,6 @@
 </p:notes>
 </file>
 
-<file path=ppt/notesSlides/notesSlide2.xml><?xml version="1.0" encoding="utf-8"?>
-<p:notes xmlns:a="http://schemas.openxmlformats.org/drawingml/2006/main" xmlns:r="http://schemas.openxmlformats.org/officeDocument/2006/relationships" xmlns:p="http://schemas.openxmlformats.org/presentationml/2006/main">
-  <p:cSld>
-    <p:spTree>
-      <p:nvGrpSpPr>
-        <p:cNvPr id="1" name=""/>
-        <p:cNvGrpSpPr/>
-        <p:nvPr/>
-      </p:nvGrpSpPr>
-      <p:grpSpPr>
-        <a:xfrm>
-          <a:off x="0" y="0"/>
-          <a:ext cx="0" cy="0"/>
-          <a:chOff x="0" y="0"/>
-          <a:chExt cx="0" cy="0"/>
-        </a:xfrm>
-      </p:grpSpPr>
-      <p:sp>
-        <p:nvSpPr>
-          <p:cNvPr id="2" name="Slide Image Placeholder 1"/>
-          <p:cNvSpPr>
-            <a:spLocks noGrp="1" noRot="1" noChangeAspect="1"/>
-          </p:cNvSpPr>
-          <p:nvPr>
-            <p:ph type="sldImg"/>
-          </p:nvPr>
-        </p:nvSpPr>
-        <p:spPr/>
-      </p:sp>
-      <p:sp>
-        <p:nvSpPr>
-          <p:cNvPr id="3" name="Notes Placeholder 2"/>
-          <p:cNvSpPr>
-            <a:spLocks noGrp="1"/>
-          </p:cNvSpPr>
-          <p:nvPr>
-            <p:ph type="body" idx="1"/>
-          </p:nvPr>
-        </p:nvSpPr>
-        <p:spPr/>
-        <p:txBody>
-          <a:bodyPr/>
-          <a:lstStyle/>
-          <a:p>
-            <a:endParaRPr lang="en-US" dirty="0"/>
-          </a:p>
-        </p:txBody>
-      </p:sp>
-      <p:sp>
-        <p:nvSpPr>
-          <p:cNvPr id="4" name="Slide Number Placeholder 3"/>
-          <p:cNvSpPr>
-            <a:spLocks noGrp="1"/>
-          </p:cNvSpPr>
-          <p:nvPr>
-            <p:ph type="sldNum" sz="quarter" idx="10"/>
-          </p:nvPr>
-        </p:nvSpPr>
-        <p:spPr/>
-        <p:txBody>
-          <a:bodyPr/>
-          <a:lstStyle/>
-          <a:p>
-            <a:fld id="{54F66277-1231-2A45-B961-C920BC9B8042}" type="slidenum">
-              <a:rPr lang="en-US" smtClean="0"/>
-              <a:t>7</a:t>
-            </a:fld>
-            <a:endParaRPr lang="en-US"/>
-          </a:p>
-        </p:txBody>
-      </p:sp>
-    </p:spTree>
-    <p:extLst>
-      <p:ext uri="{BB962C8B-B14F-4D97-AF65-F5344CB8AC3E}">
-        <p14:creationId xmlns:p14="http://schemas.microsoft.com/office/powerpoint/2010/main" val="1433922249"/>
-      </p:ext>
-    </p:extLst>
-  </p:cSld>
-  <p:clrMapOvr>
-    <a:masterClrMapping/>
-  </p:clrMapOvr>
-</p:notes>
-</file>
-
 <file path=ppt/slideLayouts/slideLayout1.xml><?xml version="1.0" encoding="utf-8"?>
 <p:sldLayout xmlns:a="http://schemas.openxmlformats.org/drawingml/2006/main" xmlns:r="http://schemas.openxmlformats.org/officeDocument/2006/relationships" xmlns:p="http://schemas.openxmlformats.org/presentationml/2006/main" type="title" preserve="1">
   <p:cSld name="Title Slide">
@@ -772,7 +685,7 @@
           <a:p>
             <a:fld id="{DDADED73-3DFB-7641-B760-2A6E60A49006}" type="datetimeFigureOut">
               <a:rPr lang="en-US" smtClean="0"/>
-              <a:t>12/8/15</a:t>
+              <a:t>12/9/15</a:t>
             </a:fld>
             <a:endParaRPr lang="en-US"/>
           </a:p>
@@ -942,7 +855,7 @@
           <a:p>
             <a:fld id="{DDADED73-3DFB-7641-B760-2A6E60A49006}" type="datetimeFigureOut">
               <a:rPr lang="en-US" smtClean="0"/>
-              <a:t>12/8/15</a:t>
+              <a:t>12/9/15</a:t>
             </a:fld>
             <a:endParaRPr lang="en-US"/>
           </a:p>
@@ -1122,7 +1035,7 @@
           <a:p>
             <a:fld id="{DDADED73-3DFB-7641-B760-2A6E60A49006}" type="datetimeFigureOut">
               <a:rPr lang="en-US" smtClean="0"/>
-              <a:t>12/8/15</a:t>
+              <a:t>12/9/15</a:t>
             </a:fld>
             <a:endParaRPr lang="en-US"/>
           </a:p>
@@ -1292,7 +1205,7 @@
           <a:p>
             <a:fld id="{DDADED73-3DFB-7641-B760-2A6E60A49006}" type="datetimeFigureOut">
               <a:rPr lang="en-US" smtClean="0"/>
-              <a:t>12/8/15</a:t>
+              <a:t>12/9/15</a:t>
             </a:fld>
             <a:endParaRPr lang="en-US"/>
           </a:p>
@@ -1538,7 +1451,7 @@
           <a:p>
             <a:fld id="{DDADED73-3DFB-7641-B760-2A6E60A49006}" type="datetimeFigureOut">
               <a:rPr lang="en-US" smtClean="0"/>
-              <a:t>12/8/15</a:t>
+              <a:t>12/9/15</a:t>
             </a:fld>
             <a:endParaRPr lang="en-US"/>
           </a:p>
@@ -1770,7 +1683,7 @@
           <a:p>
             <a:fld id="{DDADED73-3DFB-7641-B760-2A6E60A49006}" type="datetimeFigureOut">
               <a:rPr lang="en-US" smtClean="0"/>
-              <a:t>12/8/15</a:t>
+              <a:t>12/9/15</a:t>
             </a:fld>
             <a:endParaRPr lang="en-US"/>
           </a:p>
@@ -2137,7 +2050,7 @@
           <a:p>
             <a:fld id="{DDADED73-3DFB-7641-B760-2A6E60A49006}" type="datetimeFigureOut">
               <a:rPr lang="en-US" smtClean="0"/>
-              <a:t>12/8/15</a:t>
+              <a:t>12/9/15</a:t>
             </a:fld>
             <a:endParaRPr lang="en-US"/>
           </a:p>
@@ -2255,7 +2168,7 @@
           <a:p>
             <a:fld id="{DDADED73-3DFB-7641-B760-2A6E60A49006}" type="datetimeFigureOut">
               <a:rPr lang="en-US" smtClean="0"/>
-              <a:t>12/8/15</a:t>
+              <a:t>12/9/15</a:t>
             </a:fld>
             <a:endParaRPr lang="en-US"/>
           </a:p>
@@ -2350,7 +2263,7 @@
           <a:p>
             <a:fld id="{DDADED73-3DFB-7641-B760-2A6E60A49006}" type="datetimeFigureOut">
               <a:rPr lang="en-US" smtClean="0"/>
-              <a:t>12/8/15</a:t>
+              <a:t>12/9/15</a:t>
             </a:fld>
             <a:endParaRPr lang="en-US"/>
           </a:p>
@@ -2627,7 +2540,7 @@
           <a:p>
             <a:fld id="{DDADED73-3DFB-7641-B760-2A6E60A49006}" type="datetimeFigureOut">
               <a:rPr lang="en-US" smtClean="0"/>
-              <a:t>12/8/15</a:t>
+              <a:t>12/9/15</a:t>
             </a:fld>
             <a:endParaRPr lang="en-US"/>
           </a:p>
@@ -2880,7 +2793,7 @@
           <a:p>
             <a:fld id="{DDADED73-3DFB-7641-B760-2A6E60A49006}" type="datetimeFigureOut">
               <a:rPr lang="en-US" smtClean="0"/>
-              <a:t>12/8/15</a:t>
+              <a:t>12/9/15</a:t>
             </a:fld>
             <a:endParaRPr lang="en-US"/>
           </a:p>
@@ -3093,7 +3006,7 @@
           <a:p>
             <a:fld id="{DDADED73-3DFB-7641-B760-2A6E60A49006}" type="datetimeFigureOut">
               <a:rPr lang="en-US" smtClean="0"/>
-              <a:t>12/8/15</a:t>
+              <a:t>12/9/15</a:t>
             </a:fld>
             <a:endParaRPr lang="en-US"/>
           </a:p>
@@ -6515,312 +6428,6 @@
   <p:clrMapOvr>
     <a:masterClrMapping/>
   </p:clrMapOvr>
-</p:sld>
-</file>
-
-<file path=ppt/slides/slide7.xml><?xml version="1.0" encoding="utf-8"?>
-<p:sld xmlns:a="http://schemas.openxmlformats.org/drawingml/2006/main" xmlns:r="http://schemas.openxmlformats.org/officeDocument/2006/relationships" xmlns:p="http://schemas.openxmlformats.org/presentationml/2006/main">
-  <p:cSld>
-    <p:spTree>
-      <p:nvGrpSpPr>
-        <p:cNvPr id="1" name=""/>
-        <p:cNvGrpSpPr/>
-        <p:nvPr/>
-      </p:nvGrpSpPr>
-      <p:grpSpPr>
-        <a:xfrm>
-          <a:off x="0" y="0"/>
-          <a:ext cx="0" cy="0"/>
-          <a:chOff x="0" y="0"/>
-          <a:chExt cx="0" cy="0"/>
-        </a:xfrm>
-      </p:grpSpPr>
-      <p:sp>
-        <p:nvSpPr>
-          <p:cNvPr id="2" name="Title 1"/>
-          <p:cNvSpPr>
-            <a:spLocks noGrp="1"/>
-          </p:cNvSpPr>
-          <p:nvPr>
-            <p:ph type="title"/>
-          </p:nvPr>
-        </p:nvSpPr>
-        <p:spPr>
-          <a:xfrm>
-            <a:off x="838200" y="2242801"/>
-            <a:ext cx="10515600" cy="1325563"/>
-          </a:xfrm>
-        </p:spPr>
-        <p:txBody>
-          <a:bodyPr>
-            <a:normAutofit/>
-          </a:bodyPr>
-          <a:lstStyle/>
-          <a:p>
-            <a:pPr algn="ctr"/>
-            <a:r>
-              <a:rPr lang="en-US" sz="6000" dirty="0" smtClean="0"/>
-              <a:t>Conclusion</a:t>
-            </a:r>
-            <a:endParaRPr lang="en-US" sz="6000" dirty="0"/>
-          </a:p>
-        </p:txBody>
-      </p:sp>
-      <p:sp>
-        <p:nvSpPr>
-          <p:cNvPr id="3" name="Content Placeholder 2"/>
-          <p:cNvSpPr>
-            <a:spLocks noGrp="1"/>
-          </p:cNvSpPr>
-          <p:nvPr>
-            <p:ph idx="1"/>
-          </p:nvPr>
-        </p:nvSpPr>
-        <p:spPr>
-          <a:xfrm>
-            <a:off x="838200" y="3568364"/>
-            <a:ext cx="10515600" cy="2875467"/>
-          </a:xfrm>
-        </p:spPr>
-        <p:txBody>
-          <a:bodyPr>
-            <a:normAutofit/>
-          </a:bodyPr>
-          <a:lstStyle/>
-          <a:p>
-            <a:pPr marL="0" indent="0" algn="ctr">
-              <a:buNone/>
-            </a:pPr>
-            <a:r>
-              <a:rPr lang="en-US" sz="2400" dirty="0" smtClean="0"/>
-              <a:t>What has been the key things we have been able to conclude?</a:t>
-            </a:r>
-            <a:endParaRPr lang="en-US" sz="2400" dirty="0"/>
-          </a:p>
-        </p:txBody>
-      </p:sp>
-    </p:spTree>
-    <p:extLst>
-      <p:ext uri="{BB962C8B-B14F-4D97-AF65-F5344CB8AC3E}">
-        <p14:creationId xmlns:p14="http://schemas.microsoft.com/office/powerpoint/2010/main" val="222417694"/>
-      </p:ext>
-    </p:extLst>
-  </p:cSld>
-  <p:clrMapOvr>
-    <a:masterClrMapping/>
-  </p:clrMapOvr>
-</p:sld>
-</file>
-
-<file path=ppt/slides/slide8.xml><?xml version="1.0" encoding="utf-8"?>
-<p:sld xmlns:a="http://schemas.openxmlformats.org/drawingml/2006/main" xmlns:r="http://schemas.openxmlformats.org/officeDocument/2006/relationships" xmlns:p="http://schemas.openxmlformats.org/presentationml/2006/main">
-  <p:cSld>
-    <p:spTree>
-      <p:nvGrpSpPr>
-        <p:cNvPr id="1" name=""/>
-        <p:cNvGrpSpPr/>
-        <p:nvPr/>
-      </p:nvGrpSpPr>
-      <p:grpSpPr>
-        <a:xfrm>
-          <a:off x="0" y="0"/>
-          <a:ext cx="0" cy="0"/>
-          <a:chOff x="0" y="0"/>
-          <a:chExt cx="0" cy="0"/>
-        </a:xfrm>
-      </p:grpSpPr>
-      <p:sp>
-        <p:nvSpPr>
-          <p:cNvPr id="2" name="Title 1"/>
-          <p:cNvSpPr>
-            <a:spLocks noGrp="1"/>
-          </p:cNvSpPr>
-          <p:nvPr>
-            <p:ph type="title"/>
-          </p:nvPr>
-        </p:nvSpPr>
-        <p:spPr/>
-        <p:txBody>
-          <a:bodyPr/>
-          <a:lstStyle/>
-          <a:p>
-            <a:r>
-              <a:rPr lang="en-US" dirty="0" smtClean="0"/>
-              <a:t>The evolution of our question</a:t>
-            </a:r>
-            <a:endParaRPr lang="en-US" dirty="0"/>
-          </a:p>
-        </p:txBody>
-      </p:sp>
-      <p:sp>
-        <p:nvSpPr>
-          <p:cNvPr id="3" name="Content Placeholder 2"/>
-          <p:cNvSpPr>
-            <a:spLocks noGrp="1"/>
-          </p:cNvSpPr>
-          <p:nvPr>
-            <p:ph idx="1"/>
-          </p:nvPr>
-        </p:nvSpPr>
-        <p:spPr/>
-        <p:txBody>
-          <a:bodyPr/>
-          <a:lstStyle/>
-          <a:p>
-            <a:pPr lvl="1"/>
-            <a:r>
-              <a:rPr lang="en-US" dirty="0" smtClean="0"/>
-              <a:t>At First</a:t>
-            </a:r>
-          </a:p>
-          <a:p>
-            <a:pPr lvl="2"/>
-            <a:r>
-              <a:rPr lang="en-US" dirty="0"/>
-              <a:t>We wanted to see if political contributions by industries to specific candidates had any bearing on election results </a:t>
-            </a:r>
-          </a:p>
-          <a:p>
-            <a:pPr lvl="2"/>
-            <a:r>
-              <a:rPr lang="en-US" dirty="0"/>
-              <a:t>We also wanted to see if the election results had any specific impact on the market as a whole. </a:t>
-            </a:r>
-          </a:p>
-          <a:p>
-            <a:pPr lvl="1"/>
-            <a:endParaRPr lang="en-US" dirty="0"/>
-          </a:p>
-          <a:p>
-            <a:pPr lvl="1"/>
-            <a:r>
-              <a:rPr lang="en-US" dirty="0" smtClean="0"/>
-              <a:t>After Part 2</a:t>
-            </a:r>
-          </a:p>
-          <a:p>
-            <a:pPr lvl="2"/>
-            <a:r>
-              <a:rPr lang="en-US" dirty="0" smtClean="0"/>
-              <a:t>The idea morphed into looking at total campaign contributions and other aspects that led to candidates winning</a:t>
-            </a:r>
-          </a:p>
-        </p:txBody>
-      </p:sp>
-    </p:spTree>
-    <p:extLst>
-      <p:ext uri="{BB962C8B-B14F-4D97-AF65-F5344CB8AC3E}">
-        <p14:creationId xmlns:p14="http://schemas.microsoft.com/office/powerpoint/2010/main" val="1579589077"/>
-      </p:ext>
-    </p:extLst>
-  </p:cSld>
-  <p:clrMapOvr>
-    <a:masterClrMapping/>
-  </p:clrMapOvr>
-  <p:timing>
-    <p:tnLst>
-      <p:par>
-        <p:cTn id="1" dur="indefinite" restart="never" nodeType="tmRoot"/>
-      </p:par>
-    </p:tnLst>
-  </p:timing>
-</p:sld>
-</file>
-
-<file path=ppt/slides/slide9.xml><?xml version="1.0" encoding="utf-8"?>
-<p:sld xmlns:a="http://schemas.openxmlformats.org/drawingml/2006/main" xmlns:r="http://schemas.openxmlformats.org/officeDocument/2006/relationships" xmlns:p="http://schemas.openxmlformats.org/presentationml/2006/main">
-  <p:cSld>
-    <p:spTree>
-      <p:nvGrpSpPr>
-        <p:cNvPr id="1" name=""/>
-        <p:cNvGrpSpPr/>
-        <p:nvPr/>
-      </p:nvGrpSpPr>
-      <p:grpSpPr>
-        <a:xfrm>
-          <a:off x="0" y="0"/>
-          <a:ext cx="0" cy="0"/>
-          <a:chOff x="0" y="0"/>
-          <a:chExt cx="0" cy="0"/>
-        </a:xfrm>
-      </p:grpSpPr>
-      <p:sp>
-        <p:nvSpPr>
-          <p:cNvPr id="2" name="Title 1"/>
-          <p:cNvSpPr>
-            <a:spLocks noGrp="1"/>
-          </p:cNvSpPr>
-          <p:nvPr>
-            <p:ph type="title"/>
-          </p:nvPr>
-        </p:nvSpPr>
-        <p:spPr/>
-        <p:txBody>
-          <a:bodyPr/>
-          <a:lstStyle/>
-          <a:p>
-            <a:r>
-              <a:rPr lang="en-US" dirty="0" smtClean="0"/>
-              <a:t>Some takeaways</a:t>
-            </a:r>
-            <a:endParaRPr lang="en-US" dirty="0"/>
-          </a:p>
-        </p:txBody>
-      </p:sp>
-      <p:sp>
-        <p:nvSpPr>
-          <p:cNvPr id="3" name="Content Placeholder 2"/>
-          <p:cNvSpPr>
-            <a:spLocks noGrp="1"/>
-          </p:cNvSpPr>
-          <p:nvPr>
-            <p:ph idx="1"/>
-          </p:nvPr>
-        </p:nvSpPr>
-        <p:spPr/>
-        <p:txBody>
-          <a:bodyPr/>
-          <a:lstStyle/>
-          <a:p>
-            <a:r>
-              <a:rPr lang="en-US" dirty="0" smtClean="0"/>
-              <a:t>Many of our conclusions supported already expected conclusions, but no major breakthroughs that we we were hopping for</a:t>
-            </a:r>
-          </a:p>
-          <a:p>
-            <a:r>
-              <a:rPr lang="en-US" dirty="0" smtClean="0"/>
-              <a:t>Stocks aren’t significantly affected by election results</a:t>
-            </a:r>
-          </a:p>
-          <a:p>
-            <a:r>
-              <a:rPr lang="en-US"/>
-              <a:t>If you’re running for congress, make sure to be an incumbent</a:t>
-            </a:r>
-          </a:p>
-          <a:p>
-            <a:endParaRPr lang="en-US" dirty="0"/>
-          </a:p>
-        </p:txBody>
-      </p:sp>
-    </p:spTree>
-    <p:extLst>
-      <p:ext uri="{BB962C8B-B14F-4D97-AF65-F5344CB8AC3E}">
-        <p14:creationId xmlns:p14="http://schemas.microsoft.com/office/powerpoint/2010/main" val="895814102"/>
-      </p:ext>
-    </p:extLst>
-  </p:cSld>
-  <p:clrMapOvr>
-    <a:masterClrMapping/>
-  </p:clrMapOvr>
-  <p:timing>
-    <p:tnLst>
-      <p:par>
-        <p:cTn id="1" dur="indefinite" restart="never" nodeType="tmRoot"/>
-      </p:par>
-    </p:tnLst>
-  </p:timing>
 </p:sld>
 </file>
 

--- a/Josh Slides.pptx
+++ b/Josh Slides.pptx
@@ -3494,6 +3494,36 @@
           <a:chExt cx="0" cy="0"/>
         </a:xfrm>
       </p:grpSpPr>
+      <p:pic>
+        <p:nvPicPr>
+          <p:cNvPr id="6" name="Picture 5"/>
+          <p:cNvPicPr>
+            <a:picLocks noChangeAspect="1"/>
+          </p:cNvPicPr>
+          <p:nvPr/>
+        </p:nvPicPr>
+        <p:blipFill>
+          <a:blip r:embed="rId2">
+            <a:extLst>
+              <a:ext uri="{28A0092B-C50C-407E-A947-70E740481C1C}">
+                <a14:useLocalDpi xmlns:a14="http://schemas.microsoft.com/office/drawing/2010/main" val="0"/>
+              </a:ext>
+            </a:extLst>
+          </a:blip>
+          <a:stretch>
+            <a:fillRect/>
+          </a:stretch>
+        </p:blipFill>
+        <p:spPr>
+          <a:xfrm>
+            <a:off x="6095999" y="1679258"/>
+            <a:ext cx="5443959" cy="4602109"/>
+          </a:xfrm>
+          <a:prstGeom prst="rect">
+            <a:avLst/>
+          </a:prstGeom>
+        </p:spPr>
+      </p:pic>
       <p:sp>
         <p:nvSpPr>
           <p:cNvPr id="2" name="Title 1"/>
@@ -3555,7 +3585,7 @@
           <p:nvPr/>
         </p:nvPicPr>
         <p:blipFill>
-          <a:blip r:embed="rId2">
+          <a:blip r:embed="rId3">
             <a:extLst>
               <a:ext uri="{28A0092B-C50C-407E-A947-70E740481C1C}">
                 <a14:useLocalDpi xmlns:a14="http://schemas.microsoft.com/office/drawing/2010/main" val="0"/>
@@ -3569,7 +3599,7 @@
         </p:blipFill>
         <p:spPr bwMode="auto">
           <a:xfrm>
-            <a:off x="3225165" y="1752441"/>
+            <a:off x="193867" y="1825625"/>
             <a:ext cx="5741670" cy="4497705"/>
           </a:xfrm>
           <a:prstGeom prst="rect">
@@ -3672,7 +3702,7 @@
       </p:pic>
       <p:pic>
         <p:nvPicPr>
-          <p:cNvPr id="6" name="Picture 5"/>
+          <p:cNvPr id="7" name="Picture 6"/>
           <p:cNvPicPr/>
           <p:nvPr/>
         </p:nvPicPr>
@@ -3691,41 +3721,8 @@
         </p:blipFill>
         <p:spPr bwMode="auto">
           <a:xfrm>
-            <a:off x="5821680" y="1840706"/>
-            <a:ext cx="5943600" cy="4657090"/>
-          </a:xfrm>
-          <a:prstGeom prst="rect">
-            <a:avLst/>
-          </a:prstGeom>
-          <a:noFill/>
-          <a:ln>
-            <a:noFill/>
-          </a:ln>
-        </p:spPr>
-      </p:pic>
-      <p:pic>
-        <p:nvPicPr>
-          <p:cNvPr id="7" name="Picture 6"/>
-          <p:cNvPicPr/>
-          <p:nvPr/>
-        </p:nvPicPr>
-        <p:blipFill>
-          <a:blip r:embed="rId4">
-            <a:extLst>
-              <a:ext uri="{28A0092B-C50C-407E-A947-70E740481C1C}">
-                <a14:useLocalDpi xmlns:a14="http://schemas.microsoft.com/office/drawing/2010/main" val="0"/>
-              </a:ext>
-            </a:extLst>
-          </a:blip>
-          <a:srcRect/>
-          <a:stretch>
-            <a:fillRect/>
-          </a:stretch>
-        </p:blipFill>
-        <p:spPr bwMode="auto">
-          <a:xfrm>
-            <a:off x="1149620" y="2137410"/>
-            <a:ext cx="4508500" cy="3529965"/>
+            <a:off x="3181611" y="1999623"/>
+            <a:ext cx="5481790" cy="4150656"/>
           </a:xfrm>
           <a:prstGeom prst="rect">
             <a:avLst/>
@@ -5275,7 +5272,7 @@
                     <a:p>
                       <a:pPr algn="ctr" fontAlgn="b"/>
                       <a:r>
-                        <a:rPr lang="en-US" sz="1200" b="0" i="0" u="none" strike="noStrike">
+                        <a:rPr lang="en-US" sz="1200" b="0" i="0" u="none" strike="noStrike" dirty="0">
                           <a:solidFill>
                             <a:srgbClr val="000000"/>
                           </a:solidFill>
@@ -5505,7 +5502,7 @@
                     <a:p>
                       <a:pPr algn="ctr" fontAlgn="b"/>
                       <a:r>
-                        <a:rPr lang="en-US" sz="1200" b="0" i="0" u="none" strike="noStrike">
+                        <a:rPr lang="en-US" sz="1200" b="0" i="0" u="none" strike="noStrike" dirty="0">
                           <a:solidFill>
                             <a:srgbClr val="000000"/>
                           </a:solidFill>
@@ -6360,8 +6357,8 @@
         </p:nvSpPr>
         <p:spPr>
           <a:xfrm>
-            <a:off x="623047" y="1578198"/>
-            <a:ext cx="5702449" cy="4134113"/>
+            <a:off x="623047" y="2280302"/>
+            <a:ext cx="5702449" cy="3432009"/>
           </a:xfrm>
         </p:spPr>
         <p:txBody>
@@ -6374,19 +6371,26 @@
               <a:rPr lang="en-US" dirty="0" smtClean="0"/>
               <a:t>Data weren’t binned in a manner conducive to answering it </a:t>
             </a:r>
-          </a:p>
-          <a:p>
-            <a:pPr lvl="1"/>
+            <a:endParaRPr lang="en-US" dirty="0" smtClean="0"/>
+          </a:p>
+          <a:p>
             <a:r>
               <a:rPr lang="en-US" dirty="0" smtClean="0"/>
-              <a:t>Industry bins were too wide; nearly every candidate received contributions from nearly every industry</a:t>
-            </a:r>
-          </a:p>
-          <a:p>
+              <a:t>No </a:t>
+            </a:r>
             <a:r>
               <a:rPr lang="en-US" dirty="0" smtClean="0"/>
-              <a:t>Also, no stock data for some major contributors (nonprofits, not publicly traded) </a:t>
-            </a:r>
+              <a:t>stock data for some major contributors (nonprofits, not publicly </a:t>
+            </a:r>
+            <a:r>
+              <a:rPr lang="en-US" dirty="0" smtClean="0"/>
+              <a:t>traded</a:t>
+            </a:r>
+            <a:r>
+              <a:rPr lang="en-US" smtClean="0"/>
+              <a:t>, other) </a:t>
+            </a:r>
+            <a:endParaRPr lang="en-US" dirty="0" smtClean="0"/>
           </a:p>
         </p:txBody>
       </p:sp>

--- a/Josh Slides.pptx
+++ b/Josh Slides.pptx
@@ -5,15 +5,18 @@
     <p:sldMasterId id="2147483648" r:id="rId1"/>
   </p:sldMasterIdLst>
   <p:notesMasterIdLst>
-    <p:notesMasterId r:id="rId8"/>
+    <p:notesMasterId r:id="rId11"/>
   </p:notesMasterIdLst>
   <p:sldIdLst>
     <p:sldId id="256" r:id="rId2"/>
     <p:sldId id="257" r:id="rId3"/>
     <p:sldId id="258" r:id="rId4"/>
     <p:sldId id="259" r:id="rId5"/>
-    <p:sldId id="260" r:id="rId6"/>
-    <p:sldId id="261" r:id="rId7"/>
+    <p:sldId id="262" r:id="rId6"/>
+    <p:sldId id="263" r:id="rId7"/>
+    <p:sldId id="264" r:id="rId8"/>
+    <p:sldId id="260" r:id="rId9"/>
+    <p:sldId id="261" r:id="rId10"/>
   </p:sldIdLst>
   <p:sldSz cx="12192000" cy="6858000"/>
   <p:notesSz cx="6858000" cy="9144000"/>
@@ -535,7 +538,7 @@
           <a:p>
             <a:fld id="{54F66277-1231-2A45-B961-C920BC9B8042}" type="slidenum">
               <a:rPr lang="en-US" smtClean="0"/>
-              <a:t>6</a:t>
+              <a:t>9</a:t>
             </a:fld>
             <a:endParaRPr lang="en-US"/>
           </a:p>
@@ -6202,6 +6205,367 @@
             <a:spLocks noGrp="1"/>
           </p:cNvSpPr>
           <p:nvPr>
+            <p:ph type="ctrTitle"/>
+          </p:nvPr>
+        </p:nvSpPr>
+        <p:spPr/>
+        <p:txBody>
+          <a:bodyPr/>
+          <a:lstStyle/>
+          <a:p>
+            <a:r>
+              <a:rPr lang="en-US" dirty="0" smtClean="0"/>
+              <a:t>Do </a:t>
+            </a:r>
+            <a:r>
+              <a:rPr lang="en-US" dirty="0"/>
+              <a:t>campaign contributions lead to electoral success</a:t>
+            </a:r>
+          </a:p>
+        </p:txBody>
+      </p:sp>
+      <p:sp>
+        <p:nvSpPr>
+          <p:cNvPr id="3" name="Subtitle 2"/>
+          <p:cNvSpPr>
+            <a:spLocks noGrp="1"/>
+          </p:cNvSpPr>
+          <p:nvPr>
+            <p:ph type="subTitle" idx="1"/>
+          </p:nvPr>
+        </p:nvSpPr>
+        <p:spPr/>
+        <p:txBody>
+          <a:bodyPr/>
+          <a:lstStyle/>
+          <a:p>
+            <a:endParaRPr lang="en-US"/>
+          </a:p>
+        </p:txBody>
+      </p:sp>
+    </p:spTree>
+    <p:extLst>
+      <p:ext uri="{BB962C8B-B14F-4D97-AF65-F5344CB8AC3E}">
+        <p14:creationId xmlns:p14="http://schemas.microsoft.com/office/powerpoint/2010/main" val="838614382"/>
+      </p:ext>
+    </p:extLst>
+  </p:cSld>
+  <p:clrMapOvr>
+    <a:masterClrMapping/>
+  </p:clrMapOvr>
+</p:sld>
+</file>
+
+<file path=ppt/slides/slide6.xml><?xml version="1.0" encoding="utf-8"?>
+<p:sld xmlns:a="http://schemas.openxmlformats.org/drawingml/2006/main" xmlns:r="http://schemas.openxmlformats.org/officeDocument/2006/relationships" xmlns:p="http://schemas.openxmlformats.org/presentationml/2006/main">
+  <p:cSld>
+    <p:spTree>
+      <p:nvGrpSpPr>
+        <p:cNvPr id="1" name=""/>
+        <p:cNvGrpSpPr/>
+        <p:nvPr/>
+      </p:nvGrpSpPr>
+      <p:grpSpPr>
+        <a:xfrm>
+          <a:off x="0" y="0"/>
+          <a:ext cx="0" cy="0"/>
+          <a:chOff x="0" y="0"/>
+          <a:chExt cx="0" cy="0"/>
+        </a:xfrm>
+      </p:grpSpPr>
+      <p:sp>
+        <p:nvSpPr>
+          <p:cNvPr id="2" name="Title 1"/>
+          <p:cNvSpPr>
+            <a:spLocks noGrp="1"/>
+          </p:cNvSpPr>
+          <p:nvPr>
+            <p:ph type="title"/>
+          </p:nvPr>
+        </p:nvSpPr>
+        <p:spPr/>
+        <p:txBody>
+          <a:bodyPr/>
+          <a:lstStyle/>
+          <a:p>
+            <a:r>
+              <a:rPr lang="en-US" dirty="0"/>
+              <a:t>Models</a:t>
+            </a:r>
+          </a:p>
+        </p:txBody>
+      </p:sp>
+      <p:sp>
+        <p:nvSpPr>
+          <p:cNvPr id="3" name="Content Placeholder 2"/>
+          <p:cNvSpPr>
+            <a:spLocks noGrp="1"/>
+          </p:cNvSpPr>
+          <p:nvPr>
+            <p:ph idx="1"/>
+          </p:nvPr>
+        </p:nvSpPr>
+        <p:spPr/>
+        <p:txBody>
+          <a:bodyPr/>
+          <a:lstStyle/>
+          <a:p>
+            <a:r>
+              <a:rPr lang="en-US" dirty="0"/>
+              <a:t>Decision Tree</a:t>
+            </a:r>
+          </a:p>
+          <a:p>
+            <a:r>
+              <a:rPr lang="en-US" dirty="0"/>
+              <a:t>Naive Bayes</a:t>
+            </a:r>
+          </a:p>
+          <a:p>
+            <a:r>
+              <a:rPr lang="en-US" dirty="0"/>
+              <a:t>Lazy Model: </a:t>
+            </a:r>
+            <a:r>
+              <a:rPr lang="en-US" dirty="0" smtClean="0"/>
+              <a:t>K-nearest Neighbor (KNN)</a:t>
+            </a:r>
+            <a:endParaRPr lang="en-US" dirty="0"/>
+          </a:p>
+          <a:p>
+            <a:endParaRPr lang="en-US" dirty="0"/>
+          </a:p>
+        </p:txBody>
+      </p:sp>
+    </p:spTree>
+    <p:extLst>
+      <p:ext uri="{BB962C8B-B14F-4D97-AF65-F5344CB8AC3E}">
+        <p14:creationId xmlns:p14="http://schemas.microsoft.com/office/powerpoint/2010/main" val="1558545570"/>
+      </p:ext>
+    </p:extLst>
+  </p:cSld>
+  <p:clrMapOvr>
+    <a:masterClrMapping/>
+  </p:clrMapOvr>
+</p:sld>
+</file>
+
+<file path=ppt/slides/slide7.xml><?xml version="1.0" encoding="utf-8"?>
+<p:sld xmlns:a="http://schemas.openxmlformats.org/drawingml/2006/main" xmlns:r="http://schemas.openxmlformats.org/officeDocument/2006/relationships" xmlns:p="http://schemas.openxmlformats.org/presentationml/2006/main">
+  <p:cSld>
+    <p:spTree>
+      <p:nvGrpSpPr>
+        <p:cNvPr id="1" name=""/>
+        <p:cNvGrpSpPr/>
+        <p:nvPr/>
+      </p:nvGrpSpPr>
+      <p:grpSpPr>
+        <a:xfrm>
+          <a:off x="0" y="0"/>
+          <a:ext cx="0" cy="0"/>
+          <a:chOff x="0" y="0"/>
+          <a:chExt cx="0" cy="0"/>
+        </a:xfrm>
+      </p:grpSpPr>
+      <p:sp>
+        <p:nvSpPr>
+          <p:cNvPr id="2" name="Title 1"/>
+          <p:cNvSpPr>
+            <a:spLocks noGrp="1"/>
+          </p:cNvSpPr>
+          <p:nvPr>
+            <p:ph type="title"/>
+          </p:nvPr>
+        </p:nvSpPr>
+        <p:spPr/>
+        <p:txBody>
+          <a:bodyPr/>
+          <a:lstStyle/>
+          <a:p>
+            <a:r>
+              <a:rPr lang="en-US" dirty="0"/>
+              <a:t>Evaluation Metrics</a:t>
+            </a:r>
+          </a:p>
+        </p:txBody>
+      </p:sp>
+      <p:sp>
+        <p:nvSpPr>
+          <p:cNvPr id="3" name="Content Placeholder 2"/>
+          <p:cNvSpPr>
+            <a:spLocks noGrp="1"/>
+          </p:cNvSpPr>
+          <p:nvPr>
+            <p:ph idx="1"/>
+          </p:nvPr>
+        </p:nvSpPr>
+        <p:spPr/>
+        <p:txBody>
+          <a:bodyPr>
+            <a:noAutofit/>
+          </a:bodyPr>
+          <a:lstStyle/>
+          <a:p>
+            <a:pPr marL="443484" indent="-443484" defTabSz="566674">
+              <a:spcBef>
+                <a:spcPts val="4000"/>
+              </a:spcBef>
+              <a:defRPr sz="3686"/>
+            </a:pPr>
+            <a:r>
+              <a:rPr lang="en-US" dirty="0">
+                <a:latin typeface="Calibri" charset="0"/>
+                <a:ea typeface="Calibri" charset="0"/>
+                <a:cs typeface="Calibri" charset="0"/>
+              </a:rPr>
+              <a:t>accuracy: </a:t>
+            </a:r>
+            <a:r>
+              <a:rPr lang="en-US" dirty="0" smtClean="0">
+                <a:latin typeface="Calibri" charset="0"/>
+                <a:ea typeface="Calibri" charset="0"/>
+                <a:cs typeface="Calibri" charset="0"/>
+              </a:rPr>
+              <a:t>(# </a:t>
+            </a:r>
+            <a:r>
+              <a:rPr lang="en-US" dirty="0">
+                <a:latin typeface="Calibri" charset="0"/>
+                <a:ea typeface="Calibri" charset="0"/>
+                <a:cs typeface="Calibri" charset="0"/>
+              </a:rPr>
+              <a:t>of right predictions) / (all </a:t>
+            </a:r>
+            <a:r>
+              <a:rPr lang="en-US" dirty="0" smtClean="0">
+                <a:latin typeface="Calibri" charset="0"/>
+                <a:ea typeface="Calibri" charset="0"/>
+                <a:cs typeface="Calibri" charset="0"/>
+              </a:rPr>
+              <a:t>predictions)</a:t>
+            </a:r>
+          </a:p>
+          <a:p>
+            <a:pPr marL="443484" indent="-443484" defTabSz="566674">
+              <a:spcBef>
+                <a:spcPts val="4000"/>
+              </a:spcBef>
+              <a:defRPr sz="3686"/>
+            </a:pPr>
+            <a:r>
+              <a:rPr lang="en-US" dirty="0" smtClean="0">
+                <a:latin typeface="Calibri" charset="0"/>
+                <a:ea typeface="Calibri" charset="0"/>
+                <a:cs typeface="Calibri" charset="0"/>
+              </a:rPr>
+              <a:t>precision</a:t>
+            </a:r>
+            <a:r>
+              <a:rPr lang="en-US" dirty="0">
+                <a:latin typeface="Calibri" charset="0"/>
+                <a:ea typeface="Calibri" charset="0"/>
+                <a:cs typeface="Calibri" charset="0"/>
+              </a:rPr>
+              <a:t>: true positives </a:t>
+            </a:r>
+            <a:endParaRPr lang="en-US" dirty="0" smtClean="0">
+              <a:latin typeface="Calibri" charset="0"/>
+              <a:ea typeface="Calibri" charset="0"/>
+              <a:cs typeface="Calibri" charset="0"/>
+            </a:endParaRPr>
+          </a:p>
+          <a:p>
+            <a:pPr marL="443484" indent="-443484" defTabSz="566674">
+              <a:spcBef>
+                <a:spcPts val="4000"/>
+              </a:spcBef>
+              <a:defRPr sz="3686"/>
+            </a:pPr>
+            <a:r>
+              <a:rPr lang="en-US" smtClean="0">
+                <a:latin typeface="Calibri" charset="0"/>
+                <a:ea typeface="Calibri" charset="0"/>
+                <a:cs typeface="Calibri" charset="0"/>
+              </a:rPr>
+              <a:t>recall</a:t>
+            </a:r>
+          </a:p>
+          <a:p>
+            <a:pPr marL="443484" indent="-443484" defTabSz="566674">
+              <a:spcBef>
+                <a:spcPts val="4000"/>
+              </a:spcBef>
+              <a:defRPr sz="3686"/>
+            </a:pPr>
+            <a:r>
+              <a:rPr lang="en-US" smtClean="0">
+                <a:latin typeface="Calibri" charset="0"/>
+                <a:ea typeface="Calibri" charset="0"/>
+                <a:cs typeface="Calibri" charset="0"/>
+              </a:rPr>
+              <a:t>F-measure</a:t>
+            </a:r>
+            <a:r>
+              <a:rPr lang="en-US" dirty="0">
+                <a:latin typeface="Calibri" charset="0"/>
+                <a:ea typeface="Calibri" charset="0"/>
+                <a:cs typeface="Calibri" charset="0"/>
+              </a:rPr>
+              <a:t>: consider both precision and </a:t>
+            </a:r>
+            <a:r>
+              <a:rPr lang="en-US" dirty="0" smtClean="0">
+                <a:latin typeface="Calibri" charset="0"/>
+                <a:ea typeface="Calibri" charset="0"/>
+                <a:cs typeface="Calibri" charset="0"/>
+              </a:rPr>
+              <a:t>recall</a:t>
+            </a:r>
+            <a:endParaRPr lang="en-US" dirty="0">
+              <a:latin typeface="Calibri" charset="0"/>
+              <a:ea typeface="Calibri" charset="0"/>
+              <a:cs typeface="Calibri" charset="0"/>
+            </a:endParaRPr>
+          </a:p>
+        </p:txBody>
+      </p:sp>
+    </p:spTree>
+    <p:extLst>
+      <p:ext uri="{BB962C8B-B14F-4D97-AF65-F5344CB8AC3E}">
+        <p14:creationId xmlns:p14="http://schemas.microsoft.com/office/powerpoint/2010/main" val="976809414"/>
+      </p:ext>
+    </p:extLst>
+  </p:cSld>
+  <p:clrMapOvr>
+    <a:masterClrMapping/>
+  </p:clrMapOvr>
+</p:sld>
+</file>
+
+<file path=ppt/slides/slide8.xml><?xml version="1.0" encoding="utf-8"?>
+<p:sld xmlns:a="http://schemas.openxmlformats.org/drawingml/2006/main" xmlns:r="http://schemas.openxmlformats.org/officeDocument/2006/relationships" xmlns:p="http://schemas.openxmlformats.org/presentationml/2006/main">
+  <p:cSld>
+    <p:spTree>
+      <p:nvGrpSpPr>
+        <p:cNvPr id="1" name=""/>
+        <p:cNvGrpSpPr/>
+        <p:nvPr/>
+      </p:nvGrpSpPr>
+      <p:grpSpPr>
+        <a:xfrm>
+          <a:off x="0" y="0"/>
+          <a:ext cx="0" cy="0"/>
+          <a:chOff x="0" y="0"/>
+          <a:chExt cx="0" cy="0"/>
+        </a:xfrm>
+      </p:grpSpPr>
+      <p:sp>
+        <p:nvSpPr>
+          <p:cNvPr id="2" name="Title 1"/>
+          <p:cNvSpPr>
+            <a:spLocks noGrp="1"/>
+          </p:cNvSpPr>
+          <p:nvPr>
             <p:ph type="title"/>
           </p:nvPr>
         </p:nvSpPr>
@@ -6272,7 +6636,7 @@
 </p:sld>
 </file>
 
-<file path=ppt/slides/slide6.xml><?xml version="1.0" encoding="utf-8"?>
+<file path=ppt/slides/slide9.xml><?xml version="1.0" encoding="utf-8"?>
 <p:sld xmlns:a="http://schemas.openxmlformats.org/drawingml/2006/main" xmlns:r="http://schemas.openxmlformats.org/officeDocument/2006/relationships" xmlns:p="http://schemas.openxmlformats.org/presentationml/2006/main">
   <p:cSld>
     <p:spTree>
@@ -6371,20 +6735,11 @@
               <a:rPr lang="en-US" dirty="0" smtClean="0"/>
               <a:t>Data weren’t binned in a manner conducive to answering it </a:t>
             </a:r>
-            <a:endParaRPr lang="en-US" dirty="0" smtClean="0"/>
           </a:p>
           <a:p>
             <a:r>
               <a:rPr lang="en-US" dirty="0" smtClean="0"/>
-              <a:t>No </a:t>
-            </a:r>
-            <a:r>
-              <a:rPr lang="en-US" dirty="0" smtClean="0"/>
-              <a:t>stock data for some major contributors (nonprofits, not publicly </a:t>
-            </a:r>
-            <a:r>
-              <a:rPr lang="en-US" dirty="0" smtClean="0"/>
-              <a:t>traded</a:t>
+              <a:t>No stock data for some major contributors (nonprofits, not publicly traded</a:t>
             </a:r>
             <a:r>
               <a:rPr lang="en-US" smtClean="0"/>
